--- a/회의록_231228.pptx
+++ b/회의록_231228.pptx
@@ -280,7 +280,7 @@
           <a:p>
             <a:fld id="{F6AC234E-360D-6540-B856-EB4A7D46C47D}" type="datetimeFigureOut">
               <a:rPr kumimoji="1" lang="ko-KR" altLang="en-US" smtClean="0"/>
-              <a:t>2023. 12. 27.</a:t>
+              <a:t>2023. 12. 29.</a:t>
             </a:fld>
             <a:endParaRPr kumimoji="1" lang="ko-KR" altLang="en-US"/>
           </a:p>
@@ -1216,7 +1216,7 @@
           <a:p>
             <a:fld id="{3B109B05-8F88-924D-ACEC-11469816911C}" type="datetimeFigureOut">
               <a:rPr kumimoji="1" lang="ko-KR" altLang="en-US" smtClean="0"/>
-              <a:t>2023. 12. 27.</a:t>
+              <a:t>2023. 12. 29.</a:t>
             </a:fld>
             <a:endParaRPr kumimoji="1" lang="ko-KR" altLang="en-US"/>
           </a:p>
@@ -1414,7 +1414,7 @@
           <a:p>
             <a:fld id="{3B109B05-8F88-924D-ACEC-11469816911C}" type="datetimeFigureOut">
               <a:rPr kumimoji="1" lang="ko-KR" altLang="en-US" smtClean="0"/>
-              <a:t>2023. 12. 27.</a:t>
+              <a:t>2023. 12. 29.</a:t>
             </a:fld>
             <a:endParaRPr kumimoji="1" lang="ko-KR" altLang="en-US"/>
           </a:p>
@@ -1622,7 +1622,7 @@
           <a:p>
             <a:fld id="{3B109B05-8F88-924D-ACEC-11469816911C}" type="datetimeFigureOut">
               <a:rPr kumimoji="1" lang="ko-KR" altLang="en-US" smtClean="0"/>
-              <a:t>2023. 12. 27.</a:t>
+              <a:t>2023. 12. 29.</a:t>
             </a:fld>
             <a:endParaRPr kumimoji="1" lang="ko-KR" altLang="en-US"/>
           </a:p>
@@ -1820,7 +1820,7 @@
           <a:p>
             <a:fld id="{3B109B05-8F88-924D-ACEC-11469816911C}" type="datetimeFigureOut">
               <a:rPr kumimoji="1" lang="ko-KR" altLang="en-US" smtClean="0"/>
-              <a:t>2023. 12. 27.</a:t>
+              <a:t>2023. 12. 29.</a:t>
             </a:fld>
             <a:endParaRPr kumimoji="1" lang="ko-KR" altLang="en-US"/>
           </a:p>
@@ -2095,7 +2095,7 @@
           <a:p>
             <a:fld id="{3B109B05-8F88-924D-ACEC-11469816911C}" type="datetimeFigureOut">
               <a:rPr kumimoji="1" lang="ko-KR" altLang="en-US" smtClean="0"/>
-              <a:t>2023. 12. 27.</a:t>
+              <a:t>2023. 12. 29.</a:t>
             </a:fld>
             <a:endParaRPr kumimoji="1" lang="ko-KR" altLang="en-US"/>
           </a:p>
@@ -2360,7 +2360,7 @@
           <a:p>
             <a:fld id="{3B109B05-8F88-924D-ACEC-11469816911C}" type="datetimeFigureOut">
               <a:rPr kumimoji="1" lang="ko-KR" altLang="en-US" smtClean="0"/>
-              <a:t>2023. 12. 27.</a:t>
+              <a:t>2023. 12. 29.</a:t>
             </a:fld>
             <a:endParaRPr kumimoji="1" lang="ko-KR" altLang="en-US"/>
           </a:p>
@@ -2772,7 +2772,7 @@
           <a:p>
             <a:fld id="{3B109B05-8F88-924D-ACEC-11469816911C}" type="datetimeFigureOut">
               <a:rPr kumimoji="1" lang="ko-KR" altLang="en-US" smtClean="0"/>
-              <a:t>2023. 12. 27.</a:t>
+              <a:t>2023. 12. 29.</a:t>
             </a:fld>
             <a:endParaRPr kumimoji="1" lang="ko-KR" altLang="en-US"/>
           </a:p>
@@ -2913,7 +2913,7 @@
           <a:p>
             <a:fld id="{3B109B05-8F88-924D-ACEC-11469816911C}" type="datetimeFigureOut">
               <a:rPr kumimoji="1" lang="ko-KR" altLang="en-US" smtClean="0"/>
-              <a:t>2023. 12. 27.</a:t>
+              <a:t>2023. 12. 29.</a:t>
             </a:fld>
             <a:endParaRPr kumimoji="1" lang="ko-KR" altLang="en-US"/>
           </a:p>
@@ -3026,7 +3026,7 @@
           <a:p>
             <a:fld id="{3B109B05-8F88-924D-ACEC-11469816911C}" type="datetimeFigureOut">
               <a:rPr kumimoji="1" lang="ko-KR" altLang="en-US" smtClean="0"/>
-              <a:t>2023. 12. 27.</a:t>
+              <a:t>2023. 12. 29.</a:t>
             </a:fld>
             <a:endParaRPr kumimoji="1" lang="ko-KR" altLang="en-US"/>
           </a:p>
@@ -3337,7 +3337,7 @@
           <a:p>
             <a:fld id="{3B109B05-8F88-924D-ACEC-11469816911C}" type="datetimeFigureOut">
               <a:rPr kumimoji="1" lang="ko-KR" altLang="en-US" smtClean="0"/>
-              <a:t>2023. 12. 27.</a:t>
+              <a:t>2023. 12. 29.</a:t>
             </a:fld>
             <a:endParaRPr kumimoji="1" lang="ko-KR" altLang="en-US"/>
           </a:p>
@@ -3625,7 +3625,7 @@
           <a:p>
             <a:fld id="{3B109B05-8F88-924D-ACEC-11469816911C}" type="datetimeFigureOut">
               <a:rPr kumimoji="1" lang="ko-KR" altLang="en-US" smtClean="0"/>
-              <a:t>2023. 12. 27.</a:t>
+              <a:t>2023. 12. 29.</a:t>
             </a:fld>
             <a:endParaRPr kumimoji="1" lang="ko-KR" altLang="en-US"/>
           </a:p>
@@ -3866,7 +3866,7 @@
           <a:p>
             <a:fld id="{3B109B05-8F88-924D-ACEC-11469816911C}" type="datetimeFigureOut">
               <a:rPr kumimoji="1" lang="ko-KR" altLang="en-US" smtClean="0"/>
-              <a:t>2023. 12. 27.</a:t>
+              <a:t>2023. 12. 29.</a:t>
             </a:fld>
             <a:endParaRPr kumimoji="1" lang="ko-KR" altLang="en-US"/>
           </a:p>
